--- a/translations/pt/lessons/BuildingARobot.pptx
+++ b/translations/pt/lessons/BuildingARobot.pptx
@@ -229,7 +229,7 @@
           <a:p>
             <a:fld id="{58040048-1E4D-CD41-AC49-0750EB72586B}" type="datetimeFigureOut">
               <a:rPr lang="en-US" smtClean="0"/>
-              <a:t>01/16/2020</a:t>
+              <a:t>6/5/2020</a:t>
             </a:fld>
             <a:endParaRPr lang="en-US"/>
           </a:p>
@@ -295,7 +295,7 @@
           <a:p>
             <a:fld id="{760592D1-055B-824F-99E1-F69F9F11B539}" type="slidenum">
               <a:rPr lang="en-US" smtClean="0"/>
-              <a:t>‹#›</a:t>
+              <a:t>‹nº›</a:t>
             </a:fld>
             <a:endParaRPr lang="en-US"/>
           </a:p>
@@ -395,7 +395,7 @@
           <a:p>
             <a:fld id="{2B8484CF-5098-F24E-8881-583515D5C406}" type="datetimeFigureOut">
               <a:rPr lang="en-US" smtClean="0"/>
-              <a:t>01/16/2020</a:t>
+              <a:t>6/5/2020</a:t>
             </a:fld>
             <a:endParaRPr lang="en-US"/>
           </a:p>
@@ -553,7 +553,7 @@
           <a:p>
             <a:fld id="{A6B67714-547E-8A4E-AE1C-9E3378A836DF}" type="slidenum">
               <a:rPr lang="en-US" smtClean="0"/>
-              <a:t>‹#›</a:t>
+              <a:t>‹nº›</a:t>
             </a:fld>
             <a:endParaRPr lang="en-US"/>
           </a:p>
@@ -1619,7 +1619,7 @@
           <a:p>
             <a:fld id="{BBD74847-7BE4-4E4D-8159-51DF7B93C616}" type="slidenum">
               <a:rPr lang="en-US" smtClean="0"/>
-              <a:t>‹#›</a:t>
+              <a:t>‹nº›</a:t>
             </a:fld>
             <a:endParaRPr lang="en-US"/>
           </a:p>
@@ -1884,7 +1884,7 @@
           <a:p>
             <a:fld id="{BBD74847-7BE4-4E4D-8159-51DF7B93C616}" type="slidenum">
               <a:rPr lang="en-US" smtClean="0"/>
-              <a:t>‹#›</a:t>
+              <a:t>‹nº›</a:t>
             </a:fld>
             <a:endParaRPr lang="en-US"/>
           </a:p>
@@ -2119,7 +2119,7 @@
           <a:p>
             <a:fld id="{BBD74847-7BE4-4E4D-8159-51DF7B93C616}" type="slidenum">
               <a:rPr lang="en-US" smtClean="0"/>
-              <a:t>‹#›</a:t>
+              <a:t>‹nº›</a:t>
             </a:fld>
             <a:endParaRPr lang="en-US"/>
           </a:p>
@@ -2503,7 +2503,7 @@
           <a:p>
             <a:fld id="{BBD74847-7BE4-4E4D-8159-51DF7B93C616}" type="slidenum">
               <a:rPr lang="en-US" smtClean="0"/>
-              <a:t>‹#›</a:t>
+              <a:t>‹nº›</a:t>
             </a:fld>
             <a:endParaRPr lang="en-US"/>
           </a:p>
@@ -2917,7 +2917,7 @@
           <a:p>
             <a:fld id="{BBD74847-7BE4-4E4D-8159-51DF7B93C616}" type="slidenum">
               <a:rPr lang="en-US" smtClean="0"/>
-              <a:t>‹#›</a:t>
+              <a:t>‹nº›</a:t>
             </a:fld>
             <a:endParaRPr lang="en-US"/>
           </a:p>
@@ -3426,7 +3426,7 @@
           <a:p>
             <a:fld id="{BBD74847-7BE4-4E4D-8159-51DF7B93C616}" type="slidenum">
               <a:rPr lang="en-US" smtClean="0"/>
-              <a:t>‹#›</a:t>
+              <a:t>‹nº›</a:t>
             </a:fld>
             <a:endParaRPr lang="en-US"/>
           </a:p>
@@ -3624,7 +3624,7 @@
           <a:p>
             <a:fld id="{BBD74847-7BE4-4E4D-8159-51DF7B93C616}" type="slidenum">
               <a:rPr lang="en-US" smtClean="0"/>
-              <a:t>‹#›</a:t>
+              <a:t>‹nº›</a:t>
             </a:fld>
             <a:endParaRPr lang="en-US"/>
           </a:p>
@@ -3915,7 +3915,7 @@
           <a:p>
             <a:fld id="{BBD74847-7BE4-4E4D-8159-51DF7B93C616}" type="slidenum">
               <a:rPr lang="en-US" smtClean="0"/>
-              <a:t>‹#›</a:t>
+              <a:t>‹nº›</a:t>
             </a:fld>
             <a:endParaRPr lang="en-US"/>
           </a:p>
@@ -4411,7 +4411,7 @@
           <a:p>
             <a:fld id="{BBD74847-7BE4-4E4D-8159-51DF7B93C616}" type="slidenum">
               <a:rPr lang="en-US" smtClean="0"/>
-              <a:t>‹#›</a:t>
+              <a:t>‹nº›</a:t>
             </a:fld>
             <a:endParaRPr lang="en-US"/>
           </a:p>
@@ -4702,7 +4702,7 @@
           <a:p>
             <a:fld id="{BBD74847-7BE4-4E4D-8159-51DF7B93C616}" type="slidenum">
               <a:rPr lang="en-US" smtClean="0"/>
-              <a:t>‹#›</a:t>
+              <a:t>‹nº›</a:t>
             </a:fld>
             <a:endParaRPr lang="en-US"/>
           </a:p>
@@ -5033,7 +5033,7 @@
             <a:fld id="{BBD74847-7BE4-4E4D-8159-51DF7B93C616}" type="slidenum">
               <a:rPr lang="en-US" smtClean="0"/>
               <a:pPr/>
-              <a:t>‹#›</a:t>
+              <a:t>‹nº›</a:t>
             </a:fld>
             <a:endParaRPr lang="en-US"/>
           </a:p>
@@ -5508,9 +5508,18 @@
           <a:lstStyle/>
           <a:p>
             <a:r>
+              <a:rPr lang="en-US" dirty="0" err="1"/>
+              <a:t>Contruindo</a:t>
+            </a:r>
+            <a:r>
               <a:rPr lang="en-US" dirty="0"/>
-              <a:t>BUILD A ROBOT</a:t>
-            </a:r>
+              <a:t> um </a:t>
+            </a:r>
+            <a:r>
+              <a:rPr lang="en-US" dirty="0" err="1"/>
+              <a:t>robô</a:t>
+            </a:r>
+            <a:endParaRPr lang="en-US" dirty="0"/>
           </a:p>
         </p:txBody>
       </p:sp>
@@ -5537,7 +5546,7 @@
           <a:p>
             <a:r>
               <a:rPr lang="en-US" dirty="0"/>
-              <a:t>BY SANJAY AND ARVIND SESHAN</a:t>
+              <a:t>Por ANJAY e ARVIND SESHAN</a:t>
             </a:r>
           </a:p>
         </p:txBody>
@@ -5594,8 +5603,12 @@
           <a:lstStyle/>
           <a:p>
             <a:r>
+              <a:rPr lang="en-US" dirty="0" err="1"/>
+              <a:t>Robô</a:t>
+            </a:r>
+            <a:r>
               <a:rPr lang="en-US" dirty="0"/>
-              <a:t>SPIKE PRIME ROBOT</a:t>
+              <a:t> spike prime</a:t>
             </a:r>
           </a:p>
         </p:txBody>
@@ -5682,34 +5695,53 @@
         </p:spPr>
         <p:txBody>
           <a:bodyPr>
-            <a:normAutofit/>
+            <a:normAutofit lnSpcReduction="10000"/>
           </a:bodyPr>
           <a:lstStyle/>
           <a:p>
             <a:r>
-              <a:rPr lang="en-US" dirty="0"/>
-              <a:t>For our lessons, a basic robot build with two driving motors would be ideal. You can attach sensors and additional motors as you need </a:t>
-            </a:r>
-          </a:p>
-          <a:p>
-            <a:r>
-              <a:rPr lang="en-US" dirty="0"/>
-              <a:t>We provide build instructions for a basic training robot with all motors and sensors from SPIKE Prime attached. (Droid Bot IV)</a:t>
-            </a:r>
-          </a:p>
-          <a:p>
-            <a:r>
-              <a:rPr lang="en-US" dirty="0"/>
-              <a:t>As we grow our content, we will add new training models</a:t>
-            </a:r>
-          </a:p>
-          <a:p>
-            <a:r>
-              <a:rPr lang="en-US" i="1" dirty="0"/>
-              <a:t>No matter what robot you use, make sure you pay attention to what port motors and sensors are connected to in any challenge solutions provide</a:t>
-            </a:r>
-          </a:p>
-          <a:p>
+              <a:rPr lang="pt-BR" dirty="0"/>
+              <a:t>Para nossas lições, um robô básico com dois motores de movimentação seria o ideal. Você pode conectar sensores e motores adicionais conforme necessário</a:t>
+            </a:r>
+          </a:p>
+          <a:p>
+            <a:r>
+              <a:rPr lang="pt-BR" dirty="0"/>
+              <a:t>Fornecemos instruções de construção para um robô de treinamento básico com todos os motores e sensores do SPIKE Prime conectados. (</a:t>
+            </a:r>
+            <a:r>
+              <a:rPr lang="pt-BR" dirty="0" err="1"/>
+              <a:t>Droid</a:t>
+            </a:r>
+            <a:r>
+              <a:rPr lang="pt-BR" dirty="0"/>
+              <a:t> </a:t>
+            </a:r>
+            <a:r>
+              <a:rPr lang="pt-BR" dirty="0" err="1"/>
+              <a:t>bot</a:t>
+            </a:r>
+            <a:r>
+              <a:rPr lang="pt-BR" dirty="0"/>
+              <a:t> IV)</a:t>
+            </a:r>
+          </a:p>
+          <a:p>
+            <a:r>
+              <a:rPr lang="pt-BR" dirty="0"/>
+              <a:t>Conforme aumentamos nosso conteúdo adicionaremos novos modelos de treino.</a:t>
+            </a:r>
+          </a:p>
+          <a:p>
+            <a:r>
+              <a:rPr lang="pt-BR" dirty="0"/>
+              <a:t>Não importa o robô que você use preste atenção nas portas de motores e sensores usadas para a solução do desafio.</a:t>
+            </a:r>
+          </a:p>
+          <a:p>
+            <a:pPr marL="0" indent="0">
+              <a:buNone/>
+            </a:pPr>
             <a:endParaRPr lang="en-US" dirty="0"/>
           </a:p>
         </p:txBody>
@@ -5832,7 +5864,7 @@
           <a:p>
             <a:r>
               <a:rPr lang="en-US" dirty="0"/>
-              <a:t>Droid Bot IV</a:t>
+              <a:t>Droid bot iv</a:t>
             </a:r>
           </a:p>
         </p:txBody>
@@ -5859,32 +5891,52 @@
           <a:lstStyle/>
           <a:p>
             <a:r>
-              <a:rPr lang="en-US" dirty="0"/>
-              <a:t>Droid Bot IV is our custom training robot</a:t>
-            </a:r>
-          </a:p>
-          <a:p>
-            <a:r>
-              <a:rPr lang="en-US" dirty="0"/>
-              <a:t>It only uses parts available in the SPIKE Prime Set (45678). No Expansion Set needed.</a:t>
-            </a:r>
-          </a:p>
-          <a:p>
-            <a:r>
-              <a:rPr lang="en-US" dirty="0"/>
-              <a:t>All sensors are pre-mounted for use in our lessons</a:t>
-            </a:r>
-          </a:p>
-          <a:p>
-            <a:r>
-              <a:rPr lang="en-US" dirty="0"/>
-              <a:t>The wheel size is 56mm and the motors and sensors are configured as below.</a:t>
-            </a:r>
-          </a:p>
-          <a:p>
-            <a:r>
-              <a:rPr lang="en-US" dirty="0"/>
-              <a:t>Build instructions have been provided for building this robot</a:t>
+              <a:rPr lang="pt-BR" dirty="0" err="1"/>
+              <a:t>Droid</a:t>
+            </a:r>
+            <a:r>
+              <a:rPr lang="pt-BR" dirty="0"/>
+              <a:t> </a:t>
+            </a:r>
+            <a:r>
+              <a:rPr lang="pt-BR" dirty="0" err="1"/>
+              <a:t>bot</a:t>
+            </a:r>
+            <a:r>
+              <a:rPr lang="pt-BR" dirty="0"/>
+              <a:t> </a:t>
+            </a:r>
+            <a:r>
+              <a:rPr lang="pt-BR" dirty="0" err="1"/>
+              <a:t>IVé</a:t>
+            </a:r>
+            <a:r>
+              <a:rPr lang="pt-BR" dirty="0"/>
+              <a:t> o nosso robô de treino personalizado</a:t>
+            </a:r>
+          </a:p>
+          <a:p>
+            <a:r>
+              <a:rPr lang="pt-BR" dirty="0"/>
+              <a:t>Ele usa somente peças do kit Spike Prime (45678). Não é preciso o kit de expansão.</a:t>
+            </a:r>
+          </a:p>
+          <a:p>
+            <a:r>
+              <a:rPr lang="pt-BR" dirty="0"/>
+              <a:t>Todos os sensores estão pré-montados para o uso em nossos tutoriais.</a:t>
+            </a:r>
+          </a:p>
+          <a:p>
+            <a:r>
+              <a:rPr lang="pt-BR" dirty="0"/>
+              <a:t>O tamanho da roda é 56mm e os motores e sensores estão conectados como mostrados abaixo.</a:t>
+            </a:r>
+          </a:p>
+          <a:p>
+            <a:r>
+              <a:rPr lang="pt-BR" dirty="0"/>
+              <a:t>Instruções de montagem estão disponíveis para este robô.</a:t>
             </a:r>
           </a:p>
         </p:txBody>
@@ -6173,8 +6225,21 @@
               <a:pPr algn="ctr"/>
               <a:r>
                 <a:rPr lang="en-US" sz="1100" b="1" dirty="0"/>
-                <a:t>Droid Bot IV Configuration</a:t>
+                <a:t>Droid Bot IV </a:t>
               </a:r>
+              <a:r>
+                <a:rPr lang="en-US" sz="1100" b="1" dirty="0" err="1"/>
+                <a:t>configuração</a:t>
+              </a:r>
+              <a:r>
+                <a:rPr lang="en-US" sz="1100" b="1" dirty="0"/>
+                <a:t> de </a:t>
+              </a:r>
+              <a:r>
+                <a:rPr lang="en-US" sz="1100" b="1" dirty="0" err="1"/>
+                <a:t>portas</a:t>
+              </a:r>
+              <a:endParaRPr lang="en-US" sz="1100" b="1" dirty="0"/>
             </a:p>
           </p:txBody>
         </p:sp>
@@ -6232,16 +6297,21 @@
           <a:p>
             <a:r>
               <a:rPr lang="en-US" dirty="0"/>
-              <a:t>Droid </a:t>
-            </a:r>
-            <a:r>
-              <a:rPr lang="en-US"/>
-              <a:t>Bot IV Wiring </a:t>
+              <a:t>Droid Bot IV </a:t>
+            </a:r>
+            <a:r>
+              <a:rPr lang="en-US" dirty="0" err="1"/>
+              <a:t>guia</a:t>
             </a:r>
             <a:r>
               <a:rPr lang="en-US" dirty="0"/>
-              <a:t>guide</a:t>
-            </a:r>
+              <a:t> de </a:t>
+            </a:r>
+            <a:r>
+              <a:rPr lang="en-US" dirty="0" err="1"/>
+              <a:t>portas</a:t>
+            </a:r>
+            <a:endParaRPr lang="en-US" dirty="0"/>
           </a:p>
         </p:txBody>
       </p:sp>
@@ -6370,8 +6440,13 @@
             </a:r>
             <a:r>
               <a:rPr lang="en-US" dirty="0"/>
-              <a:t>: Medium Motor</a:t>
-            </a:r>
+              <a:t>: Motor </a:t>
+            </a:r>
+            <a:r>
+              <a:rPr lang="en-US" dirty="0" err="1"/>
+              <a:t>médio</a:t>
+            </a:r>
+            <a:endParaRPr lang="en-US" dirty="0"/>
           </a:p>
         </p:txBody>
       </p:sp>
@@ -6413,8 +6488,13 @@
             </a:r>
             <a:r>
               <a:rPr lang="en-US" dirty="0"/>
-              <a:t>: Medium Motor</a:t>
-            </a:r>
+              <a:t>: Motor </a:t>
+            </a:r>
+            <a:r>
+              <a:rPr lang="en-US" dirty="0" err="1"/>
+              <a:t>médio</a:t>
+            </a:r>
+            <a:endParaRPr lang="en-US" dirty="0"/>
           </a:p>
         </p:txBody>
       </p:sp>
@@ -6456,8 +6536,13 @@
             </a:r>
             <a:r>
               <a:rPr lang="en-US" dirty="0"/>
-              <a:t>: Color Sensor</a:t>
-            </a:r>
+              <a:t>: Sensor de </a:t>
+            </a:r>
+            <a:r>
+              <a:rPr lang="en-US" dirty="0" err="1"/>
+              <a:t>cor</a:t>
+            </a:r>
+            <a:endParaRPr lang="en-US" dirty="0"/>
           </a:p>
         </p:txBody>
       </p:sp>
@@ -6499,8 +6584,13 @@
             </a:r>
             <a:r>
               <a:rPr lang="en-US" dirty="0"/>
-              <a:t>: Large Motor</a:t>
-            </a:r>
+              <a:t>: Motor </a:t>
+            </a:r>
+            <a:r>
+              <a:rPr lang="en-US" dirty="0" err="1"/>
+              <a:t>grande</a:t>
+            </a:r>
+            <a:endParaRPr lang="en-US" dirty="0"/>
           </a:p>
         </p:txBody>
       </p:sp>
@@ -6542,8 +6632,13 @@
             </a:r>
             <a:r>
               <a:rPr lang="en-US" dirty="0"/>
-              <a:t>: Force Sensor</a:t>
-            </a:r>
+              <a:t>: Sensor de </a:t>
+            </a:r>
+            <a:r>
+              <a:rPr lang="en-US" dirty="0" err="1"/>
+              <a:t>força</a:t>
+            </a:r>
+            <a:endParaRPr lang="en-US" dirty="0"/>
           </a:p>
         </p:txBody>
       </p:sp>
@@ -6562,7 +6657,7 @@
         <p:spPr>
           <a:xfrm>
             <a:off x="4422776" y="5716610"/>
-            <a:ext cx="1954306" cy="369332"/>
+            <a:ext cx="1954306" cy="646331"/>
           </a:xfrm>
           <a:prstGeom prst="rect">
             <a:avLst/>
@@ -6585,8 +6680,13 @@
             </a:r>
             <a:r>
               <a:rPr lang="en-US" dirty="0"/>
-              <a:t>: Distance Sensor</a:t>
-            </a:r>
+              <a:t>: Sensor de </a:t>
+            </a:r>
+            <a:r>
+              <a:rPr lang="en-US" dirty="0" err="1"/>
+              <a:t>distância</a:t>
+            </a:r>
+            <a:endParaRPr lang="en-US" dirty="0"/>
           </a:p>
         </p:txBody>
       </p:sp>
@@ -6643,7 +6743,31 @@
           <a:p>
             <a:r>
               <a:rPr lang="en-US" dirty="0"/>
-              <a:t>Advanced Driving base (ADB)</a:t>
+              <a:t>Base de </a:t>
+            </a:r>
+            <a:r>
+              <a:rPr lang="en-US" dirty="0" err="1"/>
+              <a:t>movimentação</a:t>
+            </a:r>
+            <a:r>
+              <a:rPr lang="en-US" dirty="0"/>
+              <a:t> </a:t>
+            </a:r>
+            <a:r>
+              <a:rPr lang="en-US" dirty="0" err="1"/>
+              <a:t>avançada</a:t>
+            </a:r>
+            <a:r>
+              <a:rPr lang="en-US" dirty="0"/>
+              <a:t> (</a:t>
+            </a:r>
+            <a:r>
+              <a:rPr lang="en-US" dirty="0" err="1"/>
+              <a:t>bma</a:t>
+            </a:r>
+            <a:r>
+              <a:rPr lang="en-US" dirty="0"/>
+              <a:t>)</a:t>
             </a:r>
           </a:p>
         </p:txBody>
@@ -6677,42 +6801,45 @@
           <a:lstStyle/>
           <a:p>
             <a:r>
-              <a:rPr lang="en-US" dirty="0"/>
-              <a:t>You can also use the Advanced Driving Base (ADB). </a:t>
-            </a:r>
-          </a:p>
-          <a:p>
-            <a:r>
-              <a:rPr lang="en-US" dirty="0"/>
-              <a:t>It will require the SPIKE Prime Set (45678) as well as the SPIKE Prime Expansion Set (45680).</a:t>
-            </a:r>
-          </a:p>
-          <a:p>
-            <a:r>
-              <a:rPr lang="en-US" dirty="0"/>
-              <a:t>Instructions to build this model are available inside the SPIKE Prime and software online: </a:t>
-            </a:r>
-            <a:r>
-              <a:rPr lang="en-US" sz="1200" dirty="0">
+              <a:rPr lang="pt-BR" dirty="0"/>
+              <a:t>Você também pode usar a BMA</a:t>
+            </a:r>
+          </a:p>
+          <a:p>
+            <a:r>
+              <a:rPr lang="pt-BR" dirty="0"/>
+              <a:t>Ela requer o kit SPIKE Prime (45678) e o kit de expansão (45680)</a:t>
+            </a:r>
+          </a:p>
+          <a:p>
+            <a:r>
+              <a:rPr lang="pt-BR" dirty="0"/>
+              <a:t>Instruções para este modelos estão disponíveis no software e online em: </a:t>
+            </a:r>
+            <a:r>
+              <a:rPr lang="pt-BR" sz="1200" dirty="0">
                 <a:hlinkClick r:id="rId2"/>
               </a:rPr>
               <a:t>https://education.lego.com/en-us/lessons/prime-competition-ready/assembling-an-advanced-driving-base</a:t>
             </a:r>
-            <a:endParaRPr lang="en-US" sz="1200" dirty="0"/>
-          </a:p>
-          <a:p>
-            <a:r>
-              <a:rPr lang="en-US" dirty="0"/>
-              <a:t>Please note how the basic ports are configured on the diagram on the right. Since all the sensors cannot start off connected to the Hub, you will have to disconnect ports so you can add the Distance and Force Sensors used in our lessons</a:t>
-            </a:r>
-          </a:p>
-          <a:p>
-            <a:r>
-              <a:rPr lang="en-US" dirty="0"/>
-              <a:t>The color sensors on ADB are also not optimally positioned for using in Color Mode. (see next slide)</a:t>
-            </a:r>
-          </a:p>
-          <a:p>
+            <a:endParaRPr lang="pt-BR" dirty="0"/>
+          </a:p>
+          <a:p>
+            <a:r>
+              <a:rPr lang="pt-BR" dirty="0"/>
+              <a:t>Por favor note as portas básicas do diagrama.  Como nem todos os sensores podem começar conectados no Hub você deverá desconectar alguns para adicionar os sensores de distancia e força usados em nossos tutoriais.</a:t>
+            </a:r>
+          </a:p>
+          <a:p>
+            <a:r>
+              <a:rPr lang="pt-BR" dirty="0"/>
+              <a:t>O sensor de cor no BMA não está posicionado de maneira ideal para uso no modo Cor (veja o próximo slide)</a:t>
+            </a:r>
+          </a:p>
+          <a:p>
+            <a:pPr marL="0" indent="0">
+              <a:buNone/>
+            </a:pPr>
             <a:endParaRPr lang="en-US" dirty="0"/>
           </a:p>
         </p:txBody>
@@ -6924,8 +7051,21 @@
           <a:p>
             <a:r>
               <a:rPr lang="en-US" dirty="0"/>
-              <a:t>NOTE: Color Sensor Position</a:t>
-            </a:r>
+              <a:t>Nota: </a:t>
+            </a:r>
+            <a:r>
+              <a:rPr lang="en-US" dirty="0" err="1"/>
+              <a:t>posição</a:t>
+            </a:r>
+            <a:r>
+              <a:rPr lang="en-US" dirty="0"/>
+              <a:t> do sensor de </a:t>
+            </a:r>
+            <a:r>
+              <a:rPr lang="en-US" dirty="0" err="1"/>
+              <a:t>cor</a:t>
+            </a:r>
+            <a:endParaRPr lang="en-US" dirty="0"/>
           </a:p>
         </p:txBody>
       </p:sp>
@@ -7010,31 +7150,36 @@
           </a:xfrm>
         </p:spPr>
         <p:txBody>
-          <a:bodyPr/>
+          <a:bodyPr>
+            <a:normAutofit/>
+          </a:bodyPr>
           <a:lstStyle/>
           <a:p>
             <a:r>
-              <a:rPr lang="en-US" dirty="0"/>
-              <a:t>To use the color sensor in Color Mode to find a line or line follow with the Advanced Driving Base (ADB), you will have to make a modification to the design</a:t>
-            </a:r>
-          </a:p>
-          <a:p>
-            <a:r>
-              <a:rPr lang="en-US" dirty="0"/>
-              <a:t>The standard location for the color sensor is too low according to the SPIKE Prime Specifications. Black does not read correctly in Color Mode using electrical tape lines or a FIRST LEGO League challenge mat.</a:t>
-            </a:r>
-          </a:p>
-          <a:p>
-            <a:r>
-              <a:rPr lang="en-US" i="1" dirty="0"/>
-              <a:t>The color sensor on ADB is mounted at about 8mm off the ground, but the optimal distance for mounting the sensor according to the specs is 16mm.</a:t>
-            </a:r>
-          </a:p>
-          <a:p>
-            <a:r>
-              <a:rPr lang="en-US" dirty="0"/>
-              <a:t>The solution is to raise the color sensor. Instructions are provided on this website</a:t>
-            </a:r>
+              <a:rPr lang="pt-BR" dirty="0"/>
+              <a:t>Para usar o sensor de cor no modo Cor para achar ou seguir uma linha com a BMA você deverá fazer uma modificação no design.</a:t>
+            </a:r>
+          </a:p>
+          <a:p>
+            <a:r>
+              <a:rPr lang="pt-BR" dirty="0"/>
+              <a:t>A localização padrão é muito baixa de acordo com as especificações do SPIKE Prime. Preto não é lido corretamente no modo Cor usando fita isolante ou o tapete da FLL.</a:t>
+            </a:r>
+          </a:p>
+          <a:p>
+            <a:r>
+              <a:rPr lang="pt-BR" dirty="0"/>
+              <a:t>O sensor de cor na BMA é montado aproximadamente a 8mm do solo, mas a distância ideal para a montagem do sensor, de acordo com as especificações, é 16mm.</a:t>
+            </a:r>
+          </a:p>
+          <a:p>
+            <a:r>
+              <a:rPr lang="pt-BR" dirty="0"/>
+              <a:t>A solução é levantar o sensor, instruções se encontram no site</a:t>
+            </a:r>
+          </a:p>
+          <a:p>
+            <a:endParaRPr lang="pt-BR" dirty="0"/>
           </a:p>
         </p:txBody>
       </p:sp>
@@ -7161,7 +7306,15 @@
           <a:p>
             <a:r>
               <a:rPr lang="en-US" sz="1600" dirty="0"/>
-              <a:t>2M (2 LEGO Modules)</a:t>
+              <a:t>(2 </a:t>
+            </a:r>
+            <a:r>
+              <a:rPr lang="en-US" sz="1600" dirty="0" err="1"/>
+              <a:t>módulos</a:t>
+            </a:r>
+            <a:r>
+              <a:rPr lang="en-US" sz="1600" dirty="0"/>
+              <a:t> LEGO)</a:t>
             </a:r>
           </a:p>
         </p:txBody>
@@ -7271,9 +7424,10 @@
           <a:lstStyle/>
           <a:p>
             <a:r>
-              <a:rPr lang="en-US" dirty="0"/>
-              <a:t>CREDITS</a:t>
-            </a:r>
+              <a:rPr lang="en-US" dirty="0" err="1"/>
+              <a:t>CRéditos</a:t>
+            </a:r>
+            <a:endParaRPr lang="en-US" dirty="0"/>
           </a:p>
         </p:txBody>
       </p:sp>
@@ -7300,14 +7454,68 @@
           <a:lstStyle/>
           <a:p>
             <a:r>
-              <a:rPr lang="en-US" sz="1600" dirty="0"/>
-              <a:t>This lesson was created by Sanjay Seshan and Arvind Seshan for SPIKE Prime Lessons</a:t>
-            </a:r>
-          </a:p>
-          <a:p>
-            <a:r>
-              <a:rPr lang="en-US" sz="1600" dirty="0"/>
-              <a:t>More lessons are available at www.primelessons.org</a:t>
+              <a:rPr lang="pt-BR" sz="1600" dirty="0"/>
+              <a:t>Esse tutorial foi criado por </a:t>
+            </a:r>
+            <a:r>
+              <a:rPr lang="pt-BR" sz="1600" dirty="0" err="1"/>
+              <a:t>Sanjay</a:t>
+            </a:r>
+            <a:r>
+              <a:rPr lang="pt-BR" sz="1600" dirty="0"/>
+              <a:t> </a:t>
+            </a:r>
+            <a:r>
+              <a:rPr lang="pt-BR" sz="1600" dirty="0" err="1"/>
+              <a:t>Seshan</a:t>
+            </a:r>
+            <a:r>
+              <a:rPr lang="pt-BR" sz="1600" dirty="0"/>
+              <a:t> e </a:t>
+            </a:r>
+            <a:r>
+              <a:rPr lang="pt-BR" sz="1600" dirty="0" err="1"/>
+              <a:t>Arvind</a:t>
+            </a:r>
+            <a:r>
+              <a:rPr lang="pt-BR" sz="1600" dirty="0"/>
+              <a:t> </a:t>
+            </a:r>
+            <a:r>
+              <a:rPr lang="pt-BR" sz="1600" dirty="0" err="1"/>
+              <a:t>Seshan</a:t>
+            </a:r>
+            <a:r>
+              <a:rPr lang="pt-BR" sz="1600" dirty="0"/>
+              <a:t> para SPIKE Prime </a:t>
+            </a:r>
+            <a:r>
+              <a:rPr lang="pt-BR" sz="1600" dirty="0" err="1"/>
+              <a:t>Lessons</a:t>
+            </a:r>
+            <a:endParaRPr lang="pt-BR" sz="1600" dirty="0"/>
+          </a:p>
+          <a:p>
+            <a:r>
+              <a:rPr lang="pt-BR" sz="1600" dirty="0"/>
+              <a:t>Mais </a:t>
+            </a:r>
+            <a:r>
+              <a:rPr lang="pt-BR" sz="1600"/>
+              <a:t>tutoriais em </a:t>
+            </a:r>
+            <a:r>
+              <a:rPr lang="pt-BR" sz="1600" dirty="0">
+                <a:hlinkClick r:id="rId2"/>
+              </a:rPr>
+              <a:t>www.primelessons.org</a:t>
+            </a:r>
+            <a:endParaRPr lang="pt-BR" sz="1600" dirty="0"/>
+          </a:p>
+          <a:p>
+            <a:r>
+              <a:rPr lang="pt-BR" sz="1600" dirty="0"/>
+              <a:t>Traduzido para o português por Lucas Colonna</a:t>
             </a:r>
           </a:p>
         </p:txBody>
@@ -7579,7 +7787,7 @@
                 </a:solidFill>
                 <a:effectLst/>
                 <a:latin typeface="Helvetica Neue"/>
-                <a:hlinkClick r:id="rId2"/>
+                <a:hlinkClick r:id="rId3"/>
               </a:rPr>
               <a:t>Creative Commons Attribution-</a:t>
             </a:r>
@@ -7593,7 +7801,7 @@
                 </a:solidFill>
                 <a:effectLst/>
                 <a:latin typeface="Helvetica Neue"/>
-                <a:hlinkClick r:id="rId2"/>
+                <a:hlinkClick r:id="rId3"/>
               </a:rPr>
               <a:t>NonCommercial</a:t>
             </a:r>
@@ -7607,7 +7815,7 @@
                 </a:solidFill>
                 <a:effectLst/>
                 <a:latin typeface="Helvetica Neue"/>
-                <a:hlinkClick r:id="rId2"/>
+                <a:hlinkClick r:id="rId3"/>
               </a:rPr>
               <a:t>-</a:t>
             </a:r>
@@ -7621,7 +7829,7 @@
                 </a:solidFill>
                 <a:effectLst/>
                 <a:latin typeface="Helvetica Neue"/>
-                <a:hlinkClick r:id="rId2"/>
+                <a:hlinkClick r:id="rId3"/>
               </a:rPr>
               <a:t>ShareAlike</a:t>
             </a:r>
@@ -7635,7 +7843,7 @@
                 </a:solidFill>
                 <a:effectLst/>
                 <a:latin typeface="Helvetica Neue"/>
-                <a:hlinkClick r:id="rId2"/>
+                <a:hlinkClick r:id="rId3"/>
               </a:rPr>
               <a:t> 4.0 International License</a:t>
             </a:r>
@@ -7680,7 +7888,7 @@
       <p:pic>
         <p:nvPicPr>
           <p:cNvPr id="6" name="Picture 5" descr="Creative Commons License">
-            <a:hlinkClick r:id="rId2"/>
+            <a:hlinkClick r:id="rId3"/>
           </p:cNvPr>
           <p:cNvPicPr>
             <a:picLocks noChangeAspect="1" noChangeArrowheads="1"/>
@@ -7688,7 +7896,7 @@
           <p:nvPr/>
         </p:nvPicPr>
         <p:blipFill>
-          <a:blip r:embed="rId3">
+          <a:blip r:embed="rId4">
             <a:extLst>
               <a:ext uri="{28A0092B-C50C-407E-A947-70E740481C1C}">
                 <a14:useLocalDpi xmlns:a14="http://schemas.microsoft.com/office/drawing/2010/main" val="0"/>
